--- a/assets/lectures/cbw/2021/mini/RNASeq_MiniLecture_02_02_Alignment_vs_Assembly_vs_Kmer.pptx
+++ b/assets/lectures/cbw/2021/mini/RNASeq_MiniLecture_02_02_Alignment_vs_Assembly_vs_Kmer.pptx
@@ -203,7 +203,7 @@
           <a:p>
             <a:fld id="{827BD9F9-8452-A342-BB1B-28ECF19E2CC5}" type="datetimeFigureOut">
               <a:rPr lang="en-US" smtClean="0"/>
-              <a:t>6/15/20</a:t>
+              <a:t>9/7/21</a:t>
             </a:fld>
             <a:endParaRPr lang="en-US"/>
           </a:p>
@@ -3246,14 +3246,14 @@
           </a:ln>
           <a:extLst>
             <a:ext uri="{909E8E84-426E-40dd-AFC4-6F175D3DCCD1}">
-              <a14:hiddenFill xmlns:a14="http://schemas.microsoft.com/office/drawing/2010/main" xmlns="">
+              <a14:hiddenFill xmlns="" xmlns:a14="http://schemas.microsoft.com/office/drawing/2010/main">
                 <a:solidFill>
                   <a:srgbClr val="FFFFFF"/>
                 </a:solidFill>
               </a14:hiddenFill>
             </a:ext>
             <a:ext uri="{91240B29-F687-4f45-9708-019B960494DF}">
-              <a14:hiddenLine xmlns:a14="http://schemas.microsoft.com/office/drawing/2010/main" xmlns="" w="9525">
+              <a14:hiddenLine xmlns="" xmlns:a14="http://schemas.microsoft.com/office/drawing/2010/main" w="9525">
                 <a:solidFill>
                   <a:srgbClr val="000000"/>
                 </a:solidFill>
@@ -3388,7 +3388,7 @@
                 <a:latin typeface="Calibri" charset="0"/>
                 <a:cs typeface="Calibri" charset="0"/>
               </a:rPr>
-              <a:t>Module 2 </a:t>
+              <a:t>RNA: Module 2 </a:t>
             </a:r>
           </a:p>
         </p:txBody>
@@ -3532,13 +3532,13 @@
               <a:defRPr/>
             </a:pPr>
             <a:r>
-              <a:rPr lang="en-US" sz="1800" b="1" dirty="0">
+              <a:rPr lang="en-US" sz="1800" b="1" dirty="0" err="1">
                 <a:solidFill>
                   <a:schemeClr val="bg1"/>
                 </a:solidFill>
                 <a:cs typeface="Arial" charset="0"/>
               </a:rPr>
-              <a:t>rnabio.org</a:t>
+              <a:t>bioinformatics.ca</a:t>
             </a:r>
             <a:endParaRPr lang="en-US" sz="1800" dirty="0">
               <a:solidFill>
@@ -4357,115 +4357,75 @@
                 <a:solidFill>
                   <a:schemeClr val="lt1"/>
                 </a:solidFill>
-                <a:latin typeface="Calibri" panose="020F0502020204030204" pitchFamily="34" charset="0"/>
-                <a:cs typeface="Calibri" panose="020F0502020204030204" pitchFamily="34" charset="0"/>
               </a:rPr>
-              <a:t>Kelsy Cotto, Obi Griffith, Malachi Griffith, Saad Khan, Allegra Petti, </a:t>
-            </a:r>
-            <a:r>
-              <a:rPr lang="en-US" sz="1800" dirty="0" err="1">
-                <a:solidFill>
-                  <a:schemeClr val="lt1"/>
-                </a:solidFill>
-                <a:latin typeface="Calibri" panose="020F0502020204030204" pitchFamily="34" charset="0"/>
-                <a:cs typeface="Calibri" panose="020F0502020204030204" pitchFamily="34" charset="0"/>
-              </a:rPr>
-              <a:t>Huiming</a:t>
-            </a:r>
-            <a:r>
-              <a:rPr lang="en-US" sz="1800" dirty="0">
-                <a:solidFill>
-                  <a:schemeClr val="lt1"/>
-                </a:solidFill>
-                <a:latin typeface="Calibri" panose="020F0502020204030204" pitchFamily="34" charset="0"/>
-                <a:cs typeface="Calibri" panose="020F0502020204030204" pitchFamily="34" charset="0"/>
-              </a:rPr>
-              <a:t> Xia </a:t>
-            </a:r>
-          </a:p>
-          <a:p>
-            <a:pPr marL="0" lvl="0" indent="0" algn="r" rtl="0">
-              <a:lnSpc>
-                <a:spcPct val="90000"/>
-              </a:lnSpc>
-              <a:spcBef>
-                <a:spcPts val="1000"/>
-              </a:spcBef>
-              <a:spcAft>
-                <a:spcPts val="0"/>
-              </a:spcAft>
+              <a:t>Emma Bell, Felicia Gomez, Obi Griffith, Malachi Griffith, Huiming Xia </a:t>
+            </a:r>
+          </a:p>
+          <a:p>
+            <a:pPr lvl="0" algn="r">
               <a:buClr>
                 <a:schemeClr val="lt1"/>
               </a:buClr>
               <a:buSzPts val="2400"/>
-              <a:buNone/>
             </a:pPr>
             <a:r>
-              <a:rPr lang="en-US" dirty="0">
+              <a:rPr lang="en-US" sz="1800" dirty="0">
                 <a:solidFill>
                   <a:schemeClr val="lt1"/>
                 </a:solidFill>
-                <a:latin typeface="Calibri" panose="020F0502020204030204" pitchFamily="34" charset="0"/>
-                <a:cs typeface="Calibri" panose="020F0502020204030204" pitchFamily="34" charset="0"/>
               </a:rPr>
-              <a:t>Informatics for RNA-</a:t>
-            </a:r>
-            <a:r>
-              <a:rPr lang="en-US" dirty="0" err="1">
-                <a:solidFill>
-                  <a:schemeClr val="lt1"/>
-                </a:solidFill>
-                <a:latin typeface="Calibri" panose="020F0502020204030204" pitchFamily="34" charset="0"/>
-                <a:cs typeface="Calibri" panose="020F0502020204030204" pitchFamily="34" charset="0"/>
-              </a:rPr>
-              <a:t>seq</a:t>
-            </a:r>
-            <a:r>
-              <a:rPr lang="en-US" dirty="0">
-                <a:solidFill>
-                  <a:schemeClr val="lt1"/>
-                </a:solidFill>
-                <a:latin typeface="Calibri" panose="020F0502020204030204" pitchFamily="34" charset="0"/>
-                <a:cs typeface="Calibri" panose="020F0502020204030204" pitchFamily="34" charset="0"/>
-              </a:rPr>
-              <a:t> Analysis</a:t>
-            </a:r>
-            <a:endParaRPr lang="en-US" dirty="0">
-              <a:latin typeface="Calibri" panose="020F0502020204030204" pitchFamily="34" charset="0"/>
-              <a:cs typeface="Calibri" panose="020F0502020204030204" pitchFamily="34" charset="0"/>
-            </a:endParaRPr>
-          </a:p>
-          <a:p>
-            <a:pPr marL="0" lvl="0" indent="0" algn="r" rtl="0">
-              <a:lnSpc>
-                <a:spcPct val="90000"/>
-              </a:lnSpc>
-              <a:spcBef>
-                <a:spcPts val="1000"/>
-              </a:spcBef>
-              <a:spcAft>
-                <a:spcPts val="0"/>
-              </a:spcAft>
+              <a:t>RNA-Seq Analysis</a:t>
+            </a:r>
+            <a:endParaRPr lang="en-US" sz="1800" dirty="0"/>
+          </a:p>
+          <a:p>
+            <a:pPr lvl="0" algn="r">
               <a:buClr>
                 <a:schemeClr val="lt1"/>
               </a:buClr>
               <a:buSzPts val="2400"/>
-              <a:buNone/>
             </a:pPr>
             <a:r>
-              <a:rPr lang="en-US" dirty="0">
+              <a:rPr lang="en-US" sz="1800" dirty="0">
                 <a:solidFill>
                   <a:schemeClr val="lt1"/>
                 </a:solidFill>
-                <a:latin typeface="Calibri" panose="020F0502020204030204" pitchFamily="34" charset="0"/>
-                <a:cs typeface="Calibri" panose="020F0502020204030204" pitchFamily="34" charset="0"/>
               </a:rPr>
-              <a:t>June 17-19, 2020</a:t>
-            </a:r>
-            <a:endParaRPr dirty="0">
-              <a:latin typeface="Calibri" panose="020F0502020204030204" pitchFamily="34" charset="0"/>
-              <a:cs typeface="Calibri" panose="020F0502020204030204" pitchFamily="34" charset="0"/>
-            </a:endParaRPr>
+              <a:t>Sep 8</a:t>
+            </a:r>
+            <a:r>
+              <a:rPr lang="en-US" sz="1800" baseline="30000" dirty="0">
+                <a:solidFill>
+                  <a:schemeClr val="lt1"/>
+                </a:solidFill>
+              </a:rPr>
+              <a:t>th</a:t>
+            </a:r>
+            <a:r>
+              <a:rPr lang="en-US" sz="1800" dirty="0">
+                <a:solidFill>
+                  <a:schemeClr val="lt1"/>
+                </a:solidFill>
+              </a:rPr>
+              <a:t>-10</a:t>
+            </a:r>
+            <a:r>
+              <a:rPr lang="en-US" sz="1800" baseline="30000" dirty="0">
+                <a:solidFill>
+                  <a:schemeClr val="lt1"/>
+                </a:solidFill>
+              </a:rPr>
+              <a:t>th</a:t>
+            </a:r>
+            <a:r>
+              <a:rPr lang="en-US" sz="1800" dirty="0">
+                <a:solidFill>
+                  <a:schemeClr val="lt1"/>
+                </a:solidFill>
+              </a:rPr>
+              <a:t>, 2021</a:t>
+            </a:r>
+            <a:endParaRPr lang="en-US" sz="1800" dirty="0"/>
           </a:p>
         </p:txBody>
       </p:sp>
@@ -4601,14 +4561,14 @@
           </a:ln>
           <a:extLst>
             <a:ext uri="{909E8E84-426E-40dd-AFC4-6F175D3DCCD1}">
-              <a14:hiddenFill xmlns="" xmlns:a14="http://schemas.microsoft.com/office/drawing/2010/main">
+              <a14:hiddenFill xmlns:a14="http://schemas.microsoft.com/office/drawing/2010/main" xmlns="">
                 <a:solidFill>
                   <a:srgbClr val="FFFFFF"/>
                 </a:solidFill>
               </a14:hiddenFill>
             </a:ext>
             <a:ext uri="{91240B29-F687-4f45-9708-019B960494DF}">
-              <a14:hiddenLine xmlns="" xmlns:a14="http://schemas.microsoft.com/office/drawing/2010/main" w="9525">
+              <a14:hiddenLine xmlns:a14="http://schemas.microsoft.com/office/drawing/2010/main" xmlns="" w="9525">
                 <a:solidFill>
                   <a:srgbClr val="000000"/>
                 </a:solidFill>
@@ -5091,14 +5051,14 @@
           </a:ln>
           <a:extLst>
             <a:ext uri="{909E8E84-426E-40dd-AFC4-6F175D3DCCD1}">
-              <a14:hiddenFill xmlns="" xmlns:a14="http://schemas.microsoft.com/office/drawing/2010/main">
+              <a14:hiddenFill xmlns:a14="http://schemas.microsoft.com/office/drawing/2010/main" xmlns="">
                 <a:solidFill>
                   <a:srgbClr val="FFFFFF"/>
                 </a:solidFill>
               </a14:hiddenFill>
             </a:ext>
             <a:ext uri="{91240B29-F687-4f45-9708-019B960494DF}">
-              <a14:hiddenLine xmlns="" xmlns:a14="http://schemas.microsoft.com/office/drawing/2010/main" w="9525">
+              <a14:hiddenLine xmlns:a14="http://schemas.microsoft.com/office/drawing/2010/main" xmlns="" w="9525">
                 <a:solidFill>
                   <a:srgbClr val="000000"/>
                 </a:solidFill>
@@ -5606,13 +5566,19 @@
       </p:sp>
       <p:sp>
         <p:nvSpPr>
-          <p:cNvPr id="100" name="Google Shape;100;p5"/>
+          <p:cNvPr id="8" name="Google Shape;100;p5">
+            <a:extLst>
+              <a:ext uri="{FF2B5EF4-FFF2-40B4-BE49-F238E27FC236}">
+                <a16:creationId xmlns:a16="http://schemas.microsoft.com/office/drawing/2014/main" id="{D0E6FB16-B4C9-DA47-92BF-5E43BB0CB29A}"/>
+              </a:ext>
+            </a:extLst>
+          </p:cNvPr>
           <p:cNvSpPr txBox="1"/>
           <p:nvPr/>
         </p:nvSpPr>
         <p:spPr>
           <a:xfrm>
-            <a:off x="790832" y="3966519"/>
+            <a:off x="794951" y="3448906"/>
             <a:ext cx="10602098" cy="369332"/>
           </a:xfrm>
           <a:prstGeom prst="rect">
@@ -5639,7 +5605,7 @@
               <a:buNone/>
             </a:pPr>
             <a:r>
-              <a:rPr lang="en-US" sz="1800">
+              <a:rPr lang="en-US" sz="1800" dirty="0">
                 <a:solidFill>
                   <a:schemeClr val="dk1"/>
                 </a:solidFill>
@@ -5650,116 +5616,290 @@
               </a:rPr>
               <a:t>Workshop Sponsors:</a:t>
             </a:r>
-            <a:endParaRPr/>
+            <a:endParaRPr dirty="0"/>
           </a:p>
         </p:txBody>
       </p:sp>
       <p:pic>
         <p:nvPicPr>
-          <p:cNvPr id="101" name="Google Shape;101;p5"/>
-          <p:cNvPicPr preferRelativeResize="0"/>
+          <p:cNvPr id="9" name="Picture 2">
+            <a:extLst>
+              <a:ext uri="{FF2B5EF4-FFF2-40B4-BE49-F238E27FC236}">
+                <a16:creationId xmlns:a16="http://schemas.microsoft.com/office/drawing/2014/main" id="{E3455AC5-B703-4C41-AE3B-B1BA044DFDA3}"/>
+              </a:ext>
+            </a:extLst>
+          </p:cNvPr>
+          <p:cNvPicPr>
+            <a:picLocks noChangeAspect="1" noChangeArrowheads="1"/>
+          </p:cNvPicPr>
           <p:nvPr/>
         </p:nvPicPr>
-        <p:blipFill rotWithShape="1">
+        <p:blipFill>
           <a:blip r:embed="rId3">
-            <a:alphaModFix/>
+            <a:extLst>
+              <a:ext uri="{28A0092B-C50C-407E-A947-70E740481C1C}">
+                <a14:useLocalDpi xmlns:a14="http://schemas.microsoft.com/office/drawing/2010/main" val="0"/>
+              </a:ext>
+            </a:extLst>
           </a:blip>
           <a:srcRect/>
-          <a:stretch/>
+          <a:stretch>
+            <a:fillRect/>
+          </a:stretch>
         </p:blipFill>
-        <p:spPr>
-          <a:xfrm>
-            <a:off x="2514600" y="4517673"/>
-            <a:ext cx="1676400" cy="1206500"/>
+        <p:spPr bwMode="auto">
+          <a:xfrm>
+            <a:off x="3389395" y="4199772"/>
+            <a:ext cx="1719035" cy="1621600"/>
           </a:xfrm>
           <a:prstGeom prst="rect">
             <a:avLst/>
           </a:prstGeom>
           <a:noFill/>
-          <a:ln>
-            <a:noFill/>
-          </a:ln>
+          <a:extLst>
+            <a:ext uri="{909E8E84-426E-40DD-AFC4-6F175D3DCCD1}">
+              <a14:hiddenFill xmlns:a14="http://schemas.microsoft.com/office/drawing/2010/main">
+                <a:solidFill>
+                  <a:srgbClr val="FFFFFF"/>
+                </a:solidFill>
+              </a14:hiddenFill>
+            </a:ext>
+          </a:extLst>
         </p:spPr>
       </p:pic>
       <p:pic>
         <p:nvPicPr>
-          <p:cNvPr id="102" name="Google Shape;102;p5"/>
-          <p:cNvPicPr preferRelativeResize="0"/>
+          <p:cNvPr id="10" name="Picture 3">
+            <a:extLst>
+              <a:ext uri="{FF2B5EF4-FFF2-40B4-BE49-F238E27FC236}">
+                <a16:creationId xmlns:a16="http://schemas.microsoft.com/office/drawing/2014/main" id="{DE3DE5D5-0A7D-5C47-8103-03017CF829CA}"/>
+              </a:ext>
+            </a:extLst>
+          </p:cNvPr>
+          <p:cNvPicPr>
+            <a:picLocks noChangeAspect="1" noChangeArrowheads="1"/>
+          </p:cNvPicPr>
           <p:nvPr/>
         </p:nvPicPr>
-        <p:blipFill rotWithShape="1">
+        <p:blipFill>
           <a:blip r:embed="rId4">
-            <a:alphaModFix/>
+            <a:extLst>
+              <a:ext uri="{28A0092B-C50C-407E-A947-70E740481C1C}">
+                <a14:useLocalDpi xmlns:a14="http://schemas.microsoft.com/office/drawing/2010/main" val="0"/>
+              </a:ext>
+            </a:extLst>
           </a:blip>
           <a:srcRect/>
-          <a:stretch/>
+          <a:stretch>
+            <a:fillRect/>
+          </a:stretch>
         </p:blipFill>
-        <p:spPr>
-          <a:xfrm>
-            <a:off x="4781024" y="4858491"/>
-            <a:ext cx="2781300" cy="787400"/>
+        <p:spPr bwMode="auto">
+          <a:xfrm>
+            <a:off x="5693506" y="4234674"/>
+            <a:ext cx="1895957" cy="1375431"/>
           </a:xfrm>
           <a:prstGeom prst="rect">
             <a:avLst/>
           </a:prstGeom>
           <a:noFill/>
-          <a:ln>
-            <a:noFill/>
-          </a:ln>
+          <a:extLst>
+            <a:ext uri="{909E8E84-426E-40DD-AFC4-6F175D3DCCD1}">
+              <a14:hiddenFill xmlns:a14="http://schemas.microsoft.com/office/drawing/2010/main">
+                <a:solidFill>
+                  <a:srgbClr val="FFFFFF"/>
+                </a:solidFill>
+              </a14:hiddenFill>
+            </a:ext>
+          </a:extLst>
         </p:spPr>
       </p:pic>
       <p:pic>
         <p:nvPicPr>
-          <p:cNvPr id="103" name="Google Shape;103;p5"/>
-          <p:cNvPicPr preferRelativeResize="0"/>
+          <p:cNvPr id="11" name="Picture 4">
+            <a:extLst>
+              <a:ext uri="{FF2B5EF4-FFF2-40B4-BE49-F238E27FC236}">
+                <a16:creationId xmlns:a16="http://schemas.microsoft.com/office/drawing/2014/main" id="{61CC7C17-2573-0348-A8D6-A75FC97B2AEA}"/>
+              </a:ext>
+            </a:extLst>
+          </p:cNvPr>
+          <p:cNvPicPr>
+            <a:picLocks noChangeAspect="1" noChangeArrowheads="1"/>
+          </p:cNvPicPr>
           <p:nvPr/>
         </p:nvPicPr>
-        <p:blipFill rotWithShape="1">
+        <p:blipFill>
           <a:blip r:embed="rId5">
-            <a:alphaModFix/>
+            <a:extLst>
+              <a:ext uri="{28A0092B-C50C-407E-A947-70E740481C1C}">
+                <a14:useLocalDpi xmlns:a14="http://schemas.microsoft.com/office/drawing/2010/main" val="0"/>
+              </a:ext>
+            </a:extLst>
           </a:blip>
           <a:srcRect/>
-          <a:stretch/>
+          <a:stretch>
+            <a:fillRect/>
+          </a:stretch>
         </p:blipFill>
-        <p:spPr>
-          <a:xfrm>
-            <a:off x="7819767" y="4660327"/>
-            <a:ext cx="3114941" cy="1126171"/>
+        <p:spPr bwMode="auto">
+          <a:xfrm>
+            <a:off x="8309003" y="3501184"/>
+            <a:ext cx="3764337" cy="1375431"/>
           </a:xfrm>
           <a:prstGeom prst="rect">
             <a:avLst/>
           </a:prstGeom>
           <a:noFill/>
-          <a:ln>
-            <a:noFill/>
-          </a:ln>
+          <a:extLst>
+            <a:ext uri="{909E8E84-426E-40DD-AFC4-6F175D3DCCD1}">
+              <a14:hiddenFill xmlns:a14="http://schemas.microsoft.com/office/drawing/2010/main">
+                <a:solidFill>
+                  <a:srgbClr val="FFFFFF"/>
+                </a:solidFill>
+              </a14:hiddenFill>
+            </a:ext>
+          </a:extLst>
         </p:spPr>
       </p:pic>
       <p:pic>
         <p:nvPicPr>
-          <p:cNvPr id="105" name="Google Shape;105;p5" descr="Comp_Ca"/>
-          <p:cNvPicPr preferRelativeResize="0"/>
+          <p:cNvPr id="12" name="Picture 5">
+            <a:extLst>
+              <a:ext uri="{FF2B5EF4-FFF2-40B4-BE49-F238E27FC236}">
+                <a16:creationId xmlns:a16="http://schemas.microsoft.com/office/drawing/2014/main" id="{4643F435-E8BE-ED43-AFC5-0537F4DE6E61}"/>
+              </a:ext>
+            </a:extLst>
+          </p:cNvPr>
+          <p:cNvPicPr>
+            <a:picLocks noChangeAspect="1" noChangeArrowheads="1"/>
+          </p:cNvPicPr>
           <p:nvPr/>
         </p:nvPicPr>
-        <p:blipFill rotWithShape="1">
+        <p:blipFill>
           <a:blip r:embed="rId6">
-            <a:alphaModFix/>
+            <a:extLst>
+              <a:ext uri="{28A0092B-C50C-407E-A947-70E740481C1C}">
+                <a14:useLocalDpi xmlns:a14="http://schemas.microsoft.com/office/drawing/2010/main" val="0"/>
+              </a:ext>
+            </a:extLst>
           </a:blip>
           <a:srcRect/>
-          <a:stretch/>
+          <a:stretch>
+            <a:fillRect/>
+          </a:stretch>
         </p:blipFill>
-        <p:spPr>
-          <a:xfrm>
-            <a:off x="445006" y="4545552"/>
-            <a:ext cx="1183055" cy="1510030"/>
+        <p:spPr bwMode="auto">
+          <a:xfrm>
+            <a:off x="259096" y="4057148"/>
+            <a:ext cx="2275780" cy="648001"/>
           </a:xfrm>
           <a:prstGeom prst="rect">
             <a:avLst/>
           </a:prstGeom>
           <a:noFill/>
-          <a:ln>
-            <a:noFill/>
-          </a:ln>
+          <a:extLst>
+            <a:ext uri="{909E8E84-426E-40DD-AFC4-6F175D3DCCD1}">
+              <a14:hiddenFill xmlns:a14="http://schemas.microsoft.com/office/drawing/2010/main">
+                <a:solidFill>
+                  <a:srgbClr val="FFFFFF"/>
+                </a:solidFill>
+              </a14:hiddenFill>
+            </a:ext>
+          </a:extLst>
+        </p:spPr>
+      </p:pic>
+      <p:pic>
+        <p:nvPicPr>
+          <p:cNvPr id="13" name="Picture 6">
+            <a:extLst>
+              <a:ext uri="{FF2B5EF4-FFF2-40B4-BE49-F238E27FC236}">
+                <a16:creationId xmlns:a16="http://schemas.microsoft.com/office/drawing/2014/main" id="{B3704568-8667-F24B-A577-B8121B668EAB}"/>
+              </a:ext>
+            </a:extLst>
+          </p:cNvPr>
+          <p:cNvPicPr>
+            <a:picLocks noChangeAspect="1" noChangeArrowheads="1"/>
+          </p:cNvPicPr>
+          <p:nvPr/>
+        </p:nvPicPr>
+        <p:blipFill>
+          <a:blip r:embed="rId7">
+            <a:extLst>
+              <a:ext uri="{28A0092B-C50C-407E-A947-70E740481C1C}">
+                <a14:useLocalDpi xmlns:a14="http://schemas.microsoft.com/office/drawing/2010/main" val="0"/>
+              </a:ext>
+            </a:extLst>
+          </a:blip>
+          <a:srcRect/>
+          <a:stretch>
+            <a:fillRect/>
+          </a:stretch>
+        </p:blipFill>
+        <p:spPr bwMode="auto">
+          <a:xfrm>
+            <a:off x="8933308" y="4644230"/>
+            <a:ext cx="2420492" cy="1610728"/>
+          </a:xfrm>
+          <a:prstGeom prst="rect">
+            <a:avLst/>
+          </a:prstGeom>
+          <a:noFill/>
+          <a:extLst>
+            <a:ext uri="{909E8E84-426E-40DD-AFC4-6F175D3DCCD1}">
+              <a14:hiddenFill xmlns:a14="http://schemas.microsoft.com/office/drawing/2010/main">
+                <a:solidFill>
+                  <a:srgbClr val="FFFFFF"/>
+                </a:solidFill>
+              </a14:hiddenFill>
+            </a:ext>
+          </a:extLst>
+        </p:spPr>
+      </p:pic>
+      <p:pic>
+        <p:nvPicPr>
+          <p:cNvPr id="14" name="Picture 7">
+            <a:extLst>
+              <a:ext uri="{FF2B5EF4-FFF2-40B4-BE49-F238E27FC236}">
+                <a16:creationId xmlns:a16="http://schemas.microsoft.com/office/drawing/2014/main" id="{11CD00C6-6A7F-8D40-8C3E-95750B28BA91}"/>
+              </a:ext>
+            </a:extLst>
+          </p:cNvPr>
+          <p:cNvPicPr>
+            <a:picLocks noChangeAspect="1" noChangeArrowheads="1"/>
+          </p:cNvPicPr>
+          <p:nvPr/>
+        </p:nvPicPr>
+        <p:blipFill>
+          <a:blip r:embed="rId8">
+            <a:extLst>
+              <a:ext uri="{28A0092B-C50C-407E-A947-70E740481C1C}">
+                <a14:useLocalDpi xmlns:a14="http://schemas.microsoft.com/office/drawing/2010/main" val="0"/>
+              </a:ext>
+            </a:extLst>
+          </a:blip>
+          <a:srcRect/>
+          <a:stretch>
+            <a:fillRect/>
+          </a:stretch>
+        </p:blipFill>
+        <p:spPr bwMode="auto">
+          <a:xfrm>
+            <a:off x="1307903" y="4898276"/>
+            <a:ext cx="1475294" cy="1423658"/>
+          </a:xfrm>
+          <a:prstGeom prst="rect">
+            <a:avLst/>
+          </a:prstGeom>
+          <a:noFill/>
+          <a:extLst>
+            <a:ext uri="{909E8E84-426E-40DD-AFC4-6F175D3DCCD1}">
+              <a14:hiddenFill xmlns:a14="http://schemas.microsoft.com/office/drawing/2010/main">
+                <a:solidFill>
+                  <a:srgbClr val="FFFFFF"/>
+                </a:solidFill>
+              </a14:hiddenFill>
+            </a:ext>
+          </a:extLst>
         </p:spPr>
       </p:pic>
     </p:spTree>
